--- a/Figure-6-2/Figure62/Figure62_fullpage.pptx
+++ b/Figure-6-2/Figure62/Figure62_fullpage.pptx
@@ -785,6 +785,964 @@
             <a:r>
               <a:rPr/>
               <a:t>2020-21</a:t>
+            </a:r>
+          </a:p>
+          <a:p>
+            <a:pPr lvl="0" marL="0" indent="0">
+              <a:buNone/>
+            </a:pPr>
+          </a:p>
+          <a:p>
+            <a:pPr lvl="0" marL="0" indent="0">
+              <a:buNone/>
+            </a:pPr>
+            <a:r>
+              <a:rPr/>
+              <a:t>Note:</a:t>
+            </a:r>
+            <a:r>
+              <a:rPr/>
+              <a:t> </a:t>
+            </a:r>
+            <a:r>
+              <a:rPr/>
+              <a:t>Earnings</a:t>
+            </a:r>
+            <a:r>
+              <a:rPr/>
+              <a:t> </a:t>
+            </a:r>
+            <a:r>
+              <a:rPr/>
+              <a:t>estimated</a:t>
+            </a:r>
+            <a:r>
+              <a:rPr/>
+              <a:t> </a:t>
+            </a:r>
+            <a:r>
+              <a:rPr/>
+              <a:t>as</a:t>
+            </a:r>
+            <a:r>
+              <a:rPr/>
+              <a:t> </a:t>
+            </a:r>
+            <a:r>
+              <a:rPr/>
+              <a:t>5%</a:t>
+            </a:r>
+            <a:r>
+              <a:rPr/>
+              <a:t> </a:t>
+            </a:r>
+            <a:r>
+              <a:rPr/>
+              <a:t>of</a:t>
+            </a:r>
+            <a:r>
+              <a:rPr/>
+              <a:t> </a:t>
+            </a:r>
+            <a:r>
+              <a:rPr/>
+              <a:t>super</a:t>
+            </a:r>
+            <a:r>
+              <a:rPr/>
+              <a:t> </a:t>
+            </a:r>
+            <a:r>
+              <a:rPr/>
+              <a:t>balances.</a:t>
+            </a:r>
+            <a:r>
+              <a:rPr/>
+              <a:t> </a:t>
+            </a:r>
+            <a:r>
+              <a:rPr/>
+              <a:t>Effective</a:t>
+            </a:r>
+            <a:r>
+              <a:rPr/>
+              <a:t> </a:t>
+            </a:r>
+            <a:r>
+              <a:rPr/>
+              <a:t>earnings</a:t>
+            </a:r>
+            <a:r>
+              <a:rPr/>
+              <a:t> </a:t>
+            </a:r>
+            <a:r>
+              <a:rPr/>
+              <a:t>tax</a:t>
+            </a:r>
+            <a:r>
+              <a:rPr/>
+              <a:t> </a:t>
+            </a:r>
+            <a:r>
+              <a:rPr/>
+              <a:t>assumed</a:t>
+            </a:r>
+            <a:r>
+              <a:rPr/>
+              <a:t> </a:t>
+            </a:r>
+            <a:r>
+              <a:rPr/>
+              <a:t>to</a:t>
+            </a:r>
+            <a:r>
+              <a:rPr/>
+              <a:t> </a:t>
+            </a:r>
+            <a:r>
+              <a:rPr/>
+              <a:t>be</a:t>
+            </a:r>
+            <a:r>
+              <a:rPr/>
+              <a:t> </a:t>
+            </a:r>
+            <a:r>
+              <a:rPr/>
+              <a:t>12.5%.</a:t>
+            </a:r>
+            <a:r>
+              <a:rPr/>
+              <a:t> </a:t>
+            </a:r>
+            <a:r>
+              <a:rPr/>
+              <a:t>Behavioural</a:t>
+            </a:r>
+            <a:r>
+              <a:rPr/>
+              <a:t> </a:t>
+            </a:r>
+            <a:r>
+              <a:rPr/>
+              <a:t>response</a:t>
+            </a:r>
+            <a:r>
+              <a:rPr/>
+              <a:t> </a:t>
+            </a:r>
+            <a:r>
+              <a:rPr/>
+              <a:t>assumed</a:t>
+            </a:r>
+            <a:r>
+              <a:rPr/>
+              <a:t> </a:t>
+            </a:r>
+            <a:r>
+              <a:rPr/>
+              <a:t>to</a:t>
+            </a:r>
+            <a:r>
+              <a:rPr/>
+              <a:t> </a:t>
+            </a:r>
+            <a:r>
+              <a:rPr/>
+              <a:t>be</a:t>
+            </a:r>
+            <a:r>
+              <a:rPr/>
+              <a:t> </a:t>
+            </a:r>
+            <a:r>
+              <a:rPr/>
+              <a:t>that</a:t>
+            </a:r>
+            <a:r>
+              <a:rPr/>
+              <a:t> </a:t>
+            </a:r>
+            <a:r>
+              <a:rPr/>
+              <a:t>individuals</a:t>
+            </a:r>
+            <a:r>
+              <a:rPr/>
+              <a:t> </a:t>
+            </a:r>
+            <a:r>
+              <a:rPr/>
+              <a:t>whose</a:t>
+            </a:r>
+            <a:r>
+              <a:rPr/>
+              <a:t> </a:t>
+            </a:r>
+            <a:r>
+              <a:rPr/>
+              <a:t>taxable</a:t>
+            </a:r>
+            <a:r>
+              <a:rPr/>
+              <a:t> </a:t>
+            </a:r>
+            <a:r>
+              <a:rPr/>
+              <a:t>income</a:t>
+            </a:r>
+            <a:r>
+              <a:rPr/>
+              <a:t> </a:t>
+            </a:r>
+            <a:r>
+              <a:rPr/>
+              <a:t>is</a:t>
+            </a:r>
+            <a:r>
+              <a:rPr/>
+              <a:t> </a:t>
+            </a:r>
+            <a:r>
+              <a:rPr/>
+              <a:t>below</a:t>
+            </a:r>
+            <a:r>
+              <a:rPr/>
+              <a:t> </a:t>
+            </a:r>
+            <a:r>
+              <a:rPr/>
+              <a:t>either</a:t>
+            </a:r>
+            <a:r>
+              <a:rPr/>
+              <a:t> </a:t>
+            </a:r>
+            <a:r>
+              <a:rPr/>
+              <a:t>the</a:t>
+            </a:r>
+            <a:r>
+              <a:rPr/>
+              <a:t> </a:t>
+            </a:r>
+            <a:r>
+              <a:rPr/>
+              <a:t>tax-free</a:t>
+            </a:r>
+            <a:r>
+              <a:rPr/>
+              <a:t> </a:t>
+            </a:r>
+            <a:r>
+              <a:rPr/>
+              <a:t>threshold</a:t>
+            </a:r>
+            <a:r>
+              <a:rPr/>
+              <a:t> </a:t>
+            </a:r>
+            <a:r>
+              <a:rPr/>
+              <a:t>or</a:t>
+            </a:r>
+            <a:r>
+              <a:rPr/>
+              <a:t> </a:t>
+            </a:r>
+            <a:r>
+              <a:rPr/>
+              <a:t>the</a:t>
+            </a:r>
+            <a:r>
+              <a:rPr/>
+              <a:t> </a:t>
+            </a:r>
+            <a:r>
+              <a:rPr/>
+              <a:t>taxable</a:t>
+            </a:r>
+            <a:r>
+              <a:rPr/>
+              <a:t> </a:t>
+            </a:r>
+            <a:r>
+              <a:rPr/>
+              <a:t>income</a:t>
+            </a:r>
+            <a:r>
+              <a:rPr/>
+              <a:t> </a:t>
+            </a:r>
+            <a:r>
+              <a:rPr/>
+              <a:t>at</a:t>
+            </a:r>
+            <a:r>
+              <a:rPr/>
+              <a:t> </a:t>
+            </a:r>
+            <a:r>
+              <a:rPr/>
+              <a:t>which</a:t>
+            </a:r>
+            <a:r>
+              <a:rPr/>
+              <a:t> </a:t>
+            </a:r>
+            <a:r>
+              <a:rPr/>
+              <a:t>most</a:t>
+            </a:r>
+            <a:r>
+              <a:rPr/>
+              <a:t> </a:t>
+            </a:r>
+            <a:r>
+              <a:rPr/>
+              <a:t>people’s</a:t>
+            </a:r>
+            <a:r>
+              <a:rPr/>
+              <a:t> </a:t>
+            </a:r>
+            <a:r>
+              <a:rPr/>
+              <a:t>marginal</a:t>
+            </a:r>
+            <a:r>
+              <a:rPr/>
+              <a:t> </a:t>
+            </a:r>
+            <a:r>
+              <a:rPr/>
+              <a:t>tax</a:t>
+            </a:r>
+            <a:r>
+              <a:rPr/>
+              <a:t> </a:t>
+            </a:r>
+            <a:r>
+              <a:rPr/>
+              <a:t>rate</a:t>
+            </a:r>
+            <a:r>
+              <a:rPr/>
+              <a:t> </a:t>
+            </a:r>
+            <a:r>
+              <a:rPr/>
+              <a:t>exceeds</a:t>
+            </a:r>
+            <a:r>
+              <a:rPr/>
+              <a:t> </a:t>
+            </a:r>
+            <a:r>
+              <a:rPr/>
+              <a:t>12.5%</a:t>
+            </a:r>
+            <a:r>
+              <a:rPr/>
+              <a:t> </a:t>
+            </a:r>
+            <a:r>
+              <a:rPr/>
+              <a:t>would</a:t>
+            </a:r>
+            <a:r>
+              <a:rPr/>
+              <a:t> </a:t>
+            </a:r>
+            <a:r>
+              <a:rPr/>
+              <a:t>transfer</a:t>
+            </a:r>
+            <a:r>
+              <a:rPr/>
+              <a:t> </a:t>
+            </a:r>
+            <a:r>
+              <a:rPr/>
+              <a:t>as</a:t>
+            </a:r>
+            <a:r>
+              <a:rPr/>
+              <a:t> </a:t>
+            </a:r>
+            <a:r>
+              <a:rPr/>
+              <a:t>much</a:t>
+            </a:r>
+            <a:r>
+              <a:rPr/>
+              <a:t> </a:t>
+            </a:r>
+            <a:r>
+              <a:rPr/>
+              <a:t>super</a:t>
+            </a:r>
+            <a:r>
+              <a:rPr/>
+              <a:t> </a:t>
+            </a:r>
+            <a:r>
+              <a:rPr/>
+              <a:t>earnings</a:t>
+            </a:r>
+            <a:r>
+              <a:rPr/>
+              <a:t> </a:t>
+            </a:r>
+            <a:r>
+              <a:rPr/>
+              <a:t>into</a:t>
+            </a:r>
+            <a:r>
+              <a:rPr/>
+              <a:t> </a:t>
+            </a:r>
+            <a:r>
+              <a:rPr/>
+              <a:t>their</a:t>
+            </a:r>
+            <a:r>
+              <a:rPr/>
+              <a:t> </a:t>
+            </a:r>
+            <a:r>
+              <a:rPr/>
+              <a:t>taxable</a:t>
+            </a:r>
+            <a:r>
+              <a:rPr/>
+              <a:t> </a:t>
+            </a:r>
+            <a:r>
+              <a:rPr/>
+              <a:t>income</a:t>
+            </a:r>
+            <a:r>
+              <a:rPr/>
+              <a:t> </a:t>
+            </a:r>
+            <a:r>
+              <a:rPr/>
+              <a:t>as</a:t>
+            </a:r>
+            <a:r>
+              <a:rPr/>
+              <a:t> </a:t>
+            </a:r>
+            <a:r>
+              <a:rPr/>
+              <a:t>would</a:t>
+            </a:r>
+            <a:r>
+              <a:rPr/>
+              <a:t> </a:t>
+            </a:r>
+            <a:r>
+              <a:rPr/>
+              <a:t>reduce</a:t>
+            </a:r>
+            <a:r>
+              <a:rPr/>
+              <a:t> </a:t>
+            </a:r>
+            <a:r>
+              <a:rPr/>
+              <a:t>their</a:t>
+            </a:r>
+            <a:r>
+              <a:rPr/>
+              <a:t> </a:t>
+            </a:r>
+            <a:r>
+              <a:rPr/>
+              <a:t>tax.</a:t>
+            </a:r>
+            <a:r>
+              <a:rPr/>
+              <a:t> </a:t>
+            </a:r>
+            <a:r>
+              <a:rPr/>
+              <a:t>The</a:t>
+            </a:r>
+            <a:r>
+              <a:rPr/>
+              <a:t> </a:t>
+            </a:r>
+            <a:r>
+              <a:rPr/>
+              <a:t>effective</a:t>
+            </a:r>
+            <a:r>
+              <a:rPr/>
+              <a:t> </a:t>
+            </a:r>
+            <a:r>
+              <a:rPr/>
+              <a:t>tax-free</a:t>
+            </a:r>
+            <a:r>
+              <a:rPr/>
+              <a:t> </a:t>
+            </a:r>
+            <a:r>
+              <a:rPr/>
+              <a:t>threshold</a:t>
+            </a:r>
+            <a:r>
+              <a:rPr/>
+              <a:t> </a:t>
+            </a:r>
+            <a:r>
+              <a:rPr/>
+              <a:t>is</a:t>
+            </a:r>
+            <a:r>
+              <a:rPr/>
+              <a:t> </a:t>
+            </a:r>
+            <a:r>
+              <a:rPr/>
+              <a:t>the</a:t>
+            </a:r>
+            <a:r>
+              <a:rPr/>
+              <a:t> </a:t>
+            </a:r>
+            <a:r>
+              <a:rPr/>
+              <a:t>most</a:t>
+            </a:r>
+            <a:r>
+              <a:rPr/>
+              <a:t> </a:t>
+            </a:r>
+            <a:r>
+              <a:rPr/>
+              <a:t>common</a:t>
+            </a:r>
+            <a:r>
+              <a:rPr/>
+              <a:t> </a:t>
+            </a:r>
+            <a:r>
+              <a:rPr/>
+              <a:t>taxable</a:t>
+            </a:r>
+            <a:r>
+              <a:rPr/>
+              <a:t> </a:t>
+            </a:r>
+            <a:r>
+              <a:rPr/>
+              <a:t>income</a:t>
+            </a:r>
+            <a:r>
+              <a:rPr/>
+              <a:t> </a:t>
+            </a:r>
+            <a:r>
+              <a:rPr/>
+              <a:t>in</a:t>
+            </a:r>
+            <a:r>
+              <a:rPr/>
+              <a:t> </a:t>
+            </a:r>
+            <a:r>
+              <a:rPr/>
+              <a:t>which</a:t>
+            </a:r>
+            <a:r>
+              <a:rPr/>
+              <a:t> </a:t>
+            </a:r>
+            <a:r>
+              <a:rPr/>
+              <a:t>people</a:t>
+            </a:r>
+            <a:r>
+              <a:rPr/>
+              <a:t> </a:t>
+            </a:r>
+            <a:r>
+              <a:rPr/>
+              <a:t>of</a:t>
+            </a:r>
+            <a:r>
+              <a:rPr/>
+              <a:t> </a:t>
+            </a:r>
+            <a:r>
+              <a:rPr/>
+              <a:t>that</a:t>
+            </a:r>
+            <a:r>
+              <a:rPr/>
+              <a:t> </a:t>
+            </a:r>
+            <a:r>
+              <a:rPr/>
+              <a:t>age</a:t>
+            </a:r>
+            <a:r>
+              <a:rPr/>
+              <a:t> </a:t>
+            </a:r>
+            <a:r>
+              <a:rPr/>
+              <a:t>and</a:t>
+            </a:r>
+            <a:r>
+              <a:rPr/>
+              <a:t> </a:t>
+            </a:r>
+            <a:r>
+              <a:rPr/>
+              <a:t>partner</a:t>
+            </a:r>
+            <a:r>
+              <a:rPr/>
+              <a:t> </a:t>
+            </a:r>
+            <a:r>
+              <a:rPr/>
+              <a:t>status</a:t>
+            </a:r>
+            <a:r>
+              <a:rPr/>
+              <a:t> </a:t>
+            </a:r>
+            <a:r>
+              <a:rPr/>
+              <a:t>pay</a:t>
+            </a:r>
+            <a:r>
+              <a:rPr/>
+              <a:t> </a:t>
+            </a:r>
+            <a:r>
+              <a:rPr/>
+              <a:t>between</a:t>
+            </a:r>
+            <a:r>
+              <a:rPr/>
+              <a:t> </a:t>
+            </a:r>
+            <a:r>
+              <a:rPr/>
+              <a:t>$1</a:t>
+            </a:r>
+            <a:r>
+              <a:rPr/>
+              <a:t> </a:t>
+            </a:r>
+            <a:r>
+              <a:rPr/>
+              <a:t>and</a:t>
+            </a:r>
+            <a:r>
+              <a:rPr/>
+              <a:t> </a:t>
+            </a:r>
+            <a:r>
+              <a:rPr/>
+              <a:t>$100</a:t>
+            </a:r>
+            <a:r>
+              <a:rPr/>
+              <a:t> </a:t>
+            </a:r>
+            <a:r>
+              <a:rPr/>
+              <a:t>income</a:t>
+            </a:r>
+            <a:r>
+              <a:rPr/>
+              <a:t> </a:t>
+            </a:r>
+            <a:r>
+              <a:rPr/>
+              <a:t>tax.</a:t>
+            </a:r>
+            <a:r>
+              <a:rPr/>
+              <a:t> </a:t>
+            </a:r>
+            <a:r>
+              <a:rPr/>
+              <a:t>The</a:t>
+            </a:r>
+            <a:r>
+              <a:rPr/>
+              <a:t> </a:t>
+            </a:r>
+            <a:r>
+              <a:rPr/>
+              <a:t>threshold</a:t>
+            </a:r>
+            <a:r>
+              <a:rPr/>
+              <a:t> </a:t>
+            </a:r>
+            <a:r>
+              <a:rPr/>
+              <a:t>for</a:t>
+            </a:r>
+            <a:r>
+              <a:rPr/>
+              <a:t> </a:t>
+            </a:r>
+            <a:r>
+              <a:rPr/>
+              <a:t>the</a:t>
+            </a:r>
+            <a:r>
+              <a:rPr/>
+              <a:t> </a:t>
+            </a:r>
+            <a:r>
+              <a:rPr/>
+              <a:t>12.5%</a:t>
+            </a:r>
+            <a:r>
+              <a:rPr/>
+              <a:t> </a:t>
+            </a:r>
+            <a:r>
+              <a:rPr/>
+              <a:t>marginal</a:t>
+            </a:r>
+            <a:r>
+              <a:rPr/>
+              <a:t> </a:t>
+            </a:r>
+            <a:r>
+              <a:rPr/>
+              <a:t>rate</a:t>
+            </a:r>
+            <a:r>
+              <a:rPr/>
+              <a:t> </a:t>
+            </a:r>
+            <a:r>
+              <a:rPr/>
+              <a:t>is</a:t>
+            </a:r>
+            <a:r>
+              <a:rPr/>
+              <a:t> </a:t>
+            </a:r>
+            <a:r>
+              <a:rPr/>
+              <a:t>the</a:t>
+            </a:r>
+            <a:r>
+              <a:rPr/>
+              <a:t> </a:t>
+            </a:r>
+            <a:r>
+              <a:rPr/>
+              <a:t>minimum</a:t>
+            </a:r>
+            <a:r>
+              <a:rPr/>
+              <a:t> </a:t>
+            </a:r>
+            <a:r>
+              <a:rPr/>
+              <a:t>taxable</a:t>
+            </a:r>
+            <a:r>
+              <a:rPr/>
+              <a:t> </a:t>
+            </a:r>
+            <a:r>
+              <a:rPr/>
+              <a:t>income</a:t>
+            </a:r>
+            <a:r>
+              <a:rPr/>
+              <a:t> </a:t>
+            </a:r>
+            <a:r>
+              <a:rPr/>
+              <a:t>at</a:t>
+            </a:r>
+            <a:r>
+              <a:rPr/>
+              <a:t> </a:t>
+            </a:r>
+            <a:r>
+              <a:rPr/>
+              <a:t>which</a:t>
+            </a:r>
+            <a:r>
+              <a:rPr/>
+              <a:t> </a:t>
+            </a:r>
+            <a:r>
+              <a:rPr/>
+              <a:t>the</a:t>
+            </a:r>
+            <a:r>
+              <a:rPr/>
+              <a:t> </a:t>
+            </a:r>
+            <a:r>
+              <a:rPr/>
+              <a:t>marginal</a:t>
+            </a:r>
+            <a:r>
+              <a:rPr/>
+              <a:t> </a:t>
+            </a:r>
+            <a:r>
+              <a:rPr/>
+              <a:t>tax</a:t>
+            </a:r>
+            <a:r>
+              <a:rPr/>
+              <a:t> </a:t>
+            </a:r>
+            <a:r>
+              <a:rPr/>
+              <a:t>rate</a:t>
+            </a:r>
+            <a:r>
+              <a:rPr/>
+              <a:t> </a:t>
+            </a:r>
+            <a:r>
+              <a:rPr/>
+              <a:t>is</a:t>
+            </a:r>
+            <a:r>
+              <a:rPr/>
+              <a:t> </a:t>
+            </a:r>
+            <a:r>
+              <a:rPr/>
+              <a:t>greater</a:t>
+            </a:r>
+            <a:r>
+              <a:rPr/>
+              <a:t> </a:t>
+            </a:r>
+            <a:r>
+              <a:rPr/>
+              <a:t>than</a:t>
+            </a:r>
+            <a:r>
+              <a:rPr/>
+              <a:t> </a:t>
+            </a:r>
+            <a:r>
+              <a:rPr/>
+              <a:t>12.5%</a:t>
+            </a:r>
+            <a:r>
+              <a:rPr/>
+              <a:t> </a:t>
+            </a:r>
+            <a:r>
+              <a:rPr/>
+              <a:t>for</a:t>
+            </a:r>
+            <a:r>
+              <a:rPr/>
+              <a:t> </a:t>
+            </a:r>
+            <a:r>
+              <a:rPr/>
+              <a:t>that</a:t>
+            </a:r>
+            <a:r>
+              <a:rPr/>
+              <a:t> </a:t>
+            </a:r>
+            <a:r>
+              <a:rPr/>
+              <a:t>age</a:t>
+            </a:r>
+            <a:r>
+              <a:rPr/>
+              <a:t> </a:t>
+            </a:r>
+            <a:r>
+              <a:rPr/>
+              <a:t>and</a:t>
+            </a:r>
+            <a:r>
+              <a:rPr/>
+              <a:t> </a:t>
+            </a:r>
+            <a:r>
+              <a:rPr/>
+              <a:t>partner</a:t>
+            </a:r>
+            <a:r>
+              <a:rPr/>
+              <a:t> </a:t>
+            </a:r>
+            <a:r>
+              <a:rPr/>
+              <a:t>status.</a:t>
+            </a:r>
+            <a:r>
+              <a:rPr/>
+              <a:t> </a:t>
+            </a:r>
+            <a:r>
+              <a:rPr/>
+              <a:t>Source:</a:t>
+            </a:r>
+            <a:r>
+              <a:rPr/>
+              <a:t> </a:t>
+            </a:r>
+            <a:r>
+              <a:rPr/>
+              <a:t>ATO</a:t>
+            </a:r>
+            <a:r>
+              <a:rPr/>
+              <a:t> </a:t>
+            </a:r>
+            <a:r>
+              <a:rPr/>
+              <a:t>2017-18</a:t>
+            </a:r>
+            <a:r>
+              <a:rPr/>
+              <a:t> </a:t>
+            </a:r>
+            <a:r>
+              <a:rPr/>
+              <a:t>2%</a:t>
+            </a:r>
+            <a:r>
+              <a:rPr/>
+              <a:t> </a:t>
+            </a:r>
+            <a:r>
+              <a:rPr/>
+              <a:t>sample</a:t>
+            </a:r>
+            <a:r>
+              <a:rPr/>
+              <a:t> </a:t>
+            </a:r>
+            <a:r>
+              <a:rPr/>
+              <a:t>file.</a:t>
             </a:r>
           </a:p>
           <a:p>
@@ -3879,7 +4837,7 @@
           </p:nvSpPr>
           <p:spPr>
             <a:xfrm>
-              <a:off x="930645" y="4677406"/>
+              <a:off x="930645" y="4137607"/>
               <a:ext cx="14914826" cy="0"/>
             </a:xfrm>
             <a:custGeom>
@@ -3922,7 +4880,7 @@
           </p:nvSpPr>
           <p:spPr>
             <a:xfrm>
-              <a:off x="930645" y="1978413"/>
+              <a:off x="930645" y="898816"/>
               <a:ext cx="14914826" cy="0"/>
             </a:xfrm>
             <a:custGeom>
@@ -4000,8 +4958,8 @@
           </p:nvSpPr>
           <p:spPr>
             <a:xfrm>
-              <a:off x="1478984" y="7363651"/>
-              <a:ext cx="329003" cy="12747"/>
+              <a:off x="1478984" y="7363624"/>
+              <a:ext cx="329003" cy="12774"/>
             </a:xfrm>
             <a:prstGeom prst="rect">
               <a:avLst/>
@@ -4070,8 +5028,8 @@
           </p:nvSpPr>
           <p:spPr>
             <a:xfrm>
-              <a:off x="2136991" y="7368152"/>
-              <a:ext cx="329003" cy="8246"/>
+              <a:off x="2136991" y="7368141"/>
+              <a:ext cx="329003" cy="8258"/>
             </a:xfrm>
             <a:prstGeom prst="rect">
               <a:avLst/>
@@ -4141,7 +5099,7 @@
           <p:spPr>
             <a:xfrm>
               <a:off x="2941222" y="7374975"/>
-              <a:ext cx="329003" cy="1423"/>
+              <a:ext cx="329003" cy="1424"/>
             </a:xfrm>
             <a:prstGeom prst="rect">
               <a:avLst/>
@@ -4280,8 +5238,8 @@
           </p:nvSpPr>
           <p:spPr>
             <a:xfrm>
-              <a:off x="4403460" y="7274153"/>
-              <a:ext cx="329003" cy="102245"/>
+              <a:off x="4403460" y="7274106"/>
+              <a:ext cx="329003" cy="102293"/>
             </a:xfrm>
             <a:prstGeom prst="rect">
               <a:avLst/>
@@ -4420,8 +5378,8 @@
           </p:nvSpPr>
           <p:spPr>
             <a:xfrm>
-              <a:off x="5865698" y="7021217"/>
-              <a:ext cx="329003" cy="355181"/>
+              <a:off x="5865698" y="7021169"/>
+              <a:ext cx="329003" cy="355229"/>
             </a:xfrm>
             <a:prstGeom prst="rect">
               <a:avLst/>
@@ -4490,8 +5448,8 @@
           </p:nvSpPr>
           <p:spPr>
             <a:xfrm>
-              <a:off x="6523705" y="7373152"/>
-              <a:ext cx="329003" cy="3246"/>
+              <a:off x="6523705" y="7373151"/>
+              <a:ext cx="329003" cy="3247"/>
             </a:xfrm>
             <a:prstGeom prst="rect">
               <a:avLst/>
@@ -4560,8 +5518,8 @@
           </p:nvSpPr>
           <p:spPr>
             <a:xfrm>
-              <a:off x="7327936" y="6763496"/>
-              <a:ext cx="329003" cy="612903"/>
+              <a:off x="7327936" y="6763471"/>
+              <a:ext cx="329003" cy="612927"/>
             </a:xfrm>
             <a:prstGeom prst="rect">
               <a:avLst/>
@@ -4630,8 +5588,8 @@
           </p:nvSpPr>
           <p:spPr>
             <a:xfrm>
-              <a:off x="7985943" y="7349747"/>
-              <a:ext cx="329003" cy="26651"/>
+              <a:off x="7985943" y="7349734"/>
+              <a:ext cx="329003" cy="26665"/>
             </a:xfrm>
             <a:prstGeom prst="rect">
               <a:avLst/>
@@ -4700,8 +5658,8 @@
           </p:nvSpPr>
           <p:spPr>
             <a:xfrm>
-              <a:off x="8790174" y="6454867"/>
-              <a:ext cx="329003" cy="921532"/>
+              <a:off x="8790174" y="6454844"/>
+              <a:ext cx="329003" cy="921554"/>
             </a:xfrm>
             <a:prstGeom prst="rect">
               <a:avLst/>
@@ -4770,8 +5728,8 @@
           </p:nvSpPr>
           <p:spPr>
             <a:xfrm>
-              <a:off x="9448181" y="7193558"/>
-              <a:ext cx="329003" cy="182841"/>
+              <a:off x="9448181" y="7193535"/>
+              <a:ext cx="329003" cy="182863"/>
             </a:xfrm>
             <a:prstGeom prst="rect">
               <a:avLst/>
@@ -4840,8 +5798,8 @@
           </p:nvSpPr>
           <p:spPr>
             <a:xfrm>
-              <a:off x="10252412" y="6108383"/>
-              <a:ext cx="329003" cy="1268016"/>
+              <a:off x="10252412" y="6108357"/>
+              <a:ext cx="329003" cy="1268041"/>
             </a:xfrm>
             <a:prstGeom prst="rect">
               <a:avLst/>
@@ -4910,8 +5868,8 @@
           </p:nvSpPr>
           <p:spPr>
             <a:xfrm>
-              <a:off x="10910419" y="6979457"/>
-              <a:ext cx="329003" cy="396942"/>
+              <a:off x="10910419" y="6979432"/>
+              <a:ext cx="329003" cy="396967"/>
             </a:xfrm>
             <a:prstGeom prst="rect">
               <a:avLst/>
@@ -4980,8 +5938,8 @@
           </p:nvSpPr>
           <p:spPr>
             <a:xfrm>
-              <a:off x="11714649" y="5580906"/>
-              <a:ext cx="329003" cy="1795492"/>
+              <a:off x="11714649" y="5580879"/>
+              <a:ext cx="329003" cy="1795519"/>
             </a:xfrm>
             <a:prstGeom prst="rect">
               <a:avLst/>
@@ -5050,8 +6008,8 @@
           </p:nvSpPr>
           <p:spPr>
             <a:xfrm>
-              <a:off x="12372656" y="6609251"/>
-              <a:ext cx="329003" cy="767147"/>
+              <a:off x="12372656" y="6609226"/>
+              <a:ext cx="329003" cy="767173"/>
             </a:xfrm>
             <a:prstGeom prst="rect">
               <a:avLst/>
@@ -5120,8 +6078,8 @@
           </p:nvSpPr>
           <p:spPr>
             <a:xfrm>
-              <a:off x="13176887" y="4704939"/>
-              <a:ext cx="329003" cy="2671459"/>
+              <a:off x="13176887" y="4704926"/>
+              <a:ext cx="329003" cy="2671473"/>
             </a:xfrm>
             <a:prstGeom prst="rect">
               <a:avLst/>
@@ -5190,8 +6148,8 @@
           </p:nvSpPr>
           <p:spPr>
             <a:xfrm>
-              <a:off x="13834894" y="5915999"/>
-              <a:ext cx="329003" cy="1460400"/>
+              <a:off x="13834894" y="5915986"/>
+              <a:ext cx="329003" cy="1460412"/>
             </a:xfrm>
             <a:prstGeom prst="rect">
               <a:avLst/>
@@ -5260,8 +6218,8 @@
           </p:nvSpPr>
           <p:spPr>
             <a:xfrm>
-              <a:off x="14639125" y="219806"/>
-              <a:ext cx="329003" cy="7156593"/>
+              <a:off x="14639125" y="219778"/>
+              <a:ext cx="329003" cy="7156620"/>
             </a:xfrm>
             <a:prstGeom prst="rect">
               <a:avLst/>
@@ -5330,8 +6288,8 @@
           </p:nvSpPr>
           <p:spPr>
             <a:xfrm>
-              <a:off x="15297132" y="1595575"/>
-              <a:ext cx="329003" cy="5780823"/>
+              <a:off x="15297132" y="1595548"/>
+              <a:ext cx="329003" cy="5780850"/>
             </a:xfrm>
             <a:prstGeom prst="rect">
               <a:avLst/>
@@ -5411,7 +6369,7 @@
           </p:nvSpPr>
           <p:spPr>
             <a:xfrm>
-              <a:off x="128965" y="4548149"/>
+              <a:off x="128965" y="4008350"/>
               <a:ext cx="699194" cy="211075"/>
             </a:xfrm>
             <a:prstGeom prst="rect">
@@ -5457,7 +6415,7 @@
           </p:nvSpPr>
           <p:spPr>
             <a:xfrm>
-              <a:off x="1828" y="1849156"/>
+              <a:off x="1828" y="769559"/>
               <a:ext cx="826330" cy="211075"/>
             </a:xfrm>
             <a:prstGeom prst="rect">
@@ -6450,7 +7408,7 @@
           <p:spPr>
             <a:xfrm>
               <a:off x="930645" y="91440"/>
-              <a:ext cx="5767424" cy="1207741"/>
+              <a:ext cx="6873254" cy="960853"/>
             </a:xfrm>
             <a:prstGeom prst="rect">
               <a:avLst/>
@@ -6659,7 +7617,7 @@
           <p:spPr>
             <a:xfrm>
               <a:off x="930645" y="840548"/>
-              <a:ext cx="182880" cy="458633"/>
+              <a:ext cx="182880" cy="211745"/>
             </a:xfrm>
             <a:prstGeom prst="rect">
               <a:avLst/>
@@ -6685,7 +7643,7 @@
           <p:spPr>
             <a:xfrm>
               <a:off x="935390" y="845293"/>
-              <a:ext cx="173390" cy="449143"/>
+              <a:ext cx="173390" cy="202255"/>
             </a:xfrm>
             <a:prstGeom prst="rect">
               <a:avLst/>
@@ -6720,7 +7678,7 @@
           <p:spPr>
             <a:xfrm>
               <a:off x="1227398" y="178468"/>
-              <a:ext cx="3011760" cy="214535"/>
+              <a:ext cx="2719536" cy="214535"/>
             </a:xfrm>
             <a:prstGeom prst="rect">
               <a:avLst/>
@@ -6752,7 +7710,7 @@
                   <a:latin typeface="Arial"/>
                   <a:cs typeface="Arial"/>
                 </a:rPr>
-                <a:t>15% tax on all super earnings</a:t>
+                <a:t>15% tax on super earnings</a:t>
               </a:r>
             </a:p>
           </p:txBody>
@@ -6766,7 +7724,7 @@
           <p:spPr>
             <a:xfrm>
               <a:off x="1227398" y="390213"/>
-              <a:ext cx="5413734" cy="214535"/>
+              <a:ext cx="5121510" cy="214535"/>
             </a:xfrm>
             <a:prstGeom prst="rect">
               <a:avLst/>
@@ -6798,7 +7756,7 @@
                   <a:latin typeface="Arial"/>
                   <a:cs typeface="Arial"/>
                 </a:rPr>
-                <a:t>15% tax on all super earnings after behaviour change</a:t>
+                <a:t>15% tax on super earnings after behaviour change</a:t>
               </a:r>
             </a:p>
           </p:txBody>
@@ -6858,7 +7816,7 @@
           <p:spPr>
             <a:xfrm>
               <a:off x="1227398" y="801425"/>
-              <a:ext cx="4117590" cy="226814"/>
+              <a:ext cx="6519564" cy="226814"/>
             </a:xfrm>
             <a:prstGeom prst="rect">
               <a:avLst/>
@@ -6890,53 +7848,7 @@
                   <a:latin typeface="Arial"/>
                   <a:cs typeface="Arial"/>
                 </a:rPr>
-                <a:t>15% tax on super earnings over $20,000</a:t>
-              </a:r>
-            </a:p>
-          </p:txBody>
-        </p:sp>
-        <p:sp>
-          <p:nvSpPr>
-            <p:cNvPr id="89" name="tx87"/>
-            <p:cNvSpPr/>
-            <p:nvPr/>
-          </p:nvSpPr>
-          <p:spPr>
-            <a:xfrm>
-              <a:off x="1227398" y="1060591"/>
-              <a:ext cx="2338461" cy="214535"/>
-            </a:xfrm>
-            <a:prstGeom prst="rect">
-              <a:avLst/>
-            </a:prstGeom>
-            <a:noFill/>
-          </p:spPr>
-          <p:txBody>
-            <a:bodyPr lIns="0" rIns="0" tIns="0" bIns="0" anchorCtr="1" anchor="ctr" wrap="none"/>
-            <a:lstStyle/>
-            <a:p>
-              <a:pPr algn="l" marL="0" marR="0" indent="0">
-                <a:lnSpc>
-                  <a:spcPts val="1800"/>
-                </a:lnSpc>
-                <a:spcBef>
-                  <a:spcPts val="0"/>
-                </a:spcBef>
-                <a:spcAft>
-                  <a:spcPts val="0"/>
-                </a:spcAft>
-              </a:pPr>
-              <a:r>
-                <a:rPr sz="1800">
-                  <a:solidFill>
-                    <a:srgbClr val="000000">
-                      <a:alpha val="100000"/>
-                    </a:srgbClr>
-                  </a:solidFill>
-                  <a:latin typeface="Arial"/>
-                  <a:cs typeface="Arial"/>
-                </a:rPr>
-                <a:t>after behaviour change</a:t>
+                <a:t>15% tax on super earnings over $20,000 after behaviour change</a:t>
               </a:r>
             </a:p>
           </p:txBody>
